--- a/Hana.pptx
+++ b/Hana.pptx
@@ -4799,43 +4799,75 @@
           <a:p>
             <a:r>
               <a:rPr lang="en-US" dirty="0"/>
+              <a:t>Project</a:t>
+            </a:r>
+          </a:p>
+        </p:txBody>
+      </p:sp>
+      <p:sp>
+        <p:nvSpPr>
+          <p:cNvPr id="3" name="Content Placeholder 2">
+            <a:extLst>
+              <a:ext uri="{FF2B5EF4-FFF2-40B4-BE49-F238E27FC236}">
+                <a16:creationId xmlns:a16="http://schemas.microsoft.com/office/drawing/2014/main" id="{02C0214F-59CF-B33B-A81C-7D95C8DF3025}"/>
+              </a:ext>
+            </a:extLst>
+          </p:cNvPr>
+          <p:cNvSpPr>
+            <a:spLocks noGrp="1"/>
+          </p:cNvSpPr>
+          <p:nvPr>
+            <p:ph idx="1"/>
+          </p:nvPr>
+        </p:nvSpPr>
+        <p:spPr/>
+        <p:txBody>
+          <a:bodyPr/>
+          <a:lstStyle/>
+          <a:p>
+            <a:endParaRPr lang="en-US" dirty="0"/>
+          </a:p>
+          <a:p>
+            <a:r>
+              <a:rPr lang="en-US" dirty="0"/>
               <a:t>Hosting</a:t>
             </a:r>
           </a:p>
-        </p:txBody>
-      </p:sp>
-      <p:sp>
-        <p:nvSpPr>
-          <p:cNvPr id="3" name="Content Placeholder 2">
-            <a:extLst>
-              <a:ext uri="{FF2B5EF4-FFF2-40B4-BE49-F238E27FC236}">
-                <a16:creationId xmlns:a16="http://schemas.microsoft.com/office/drawing/2014/main" id="{02C0214F-59CF-B33B-A81C-7D95C8DF3025}"/>
-              </a:ext>
-            </a:extLst>
-          </p:cNvPr>
-          <p:cNvSpPr>
-            <a:spLocks noGrp="1"/>
-          </p:cNvSpPr>
-          <p:nvPr>
-            <p:ph idx="1"/>
-          </p:nvPr>
-        </p:nvSpPr>
-        <p:spPr/>
-        <p:txBody>
-          <a:bodyPr/>
-          <a:lstStyle/>
-          <a:p>
+          <a:p>
+            <a:pPr lvl="1"/>
             <a:r>
               <a:rPr lang="en-US" dirty="0"/>
               <a:t>ssps.cajthaml.eu</a:t>
             </a:r>
           </a:p>
           <a:p>
-            <a:pPr lvl="1"/>
-            <a:r>
-              <a:rPr lang="en-US" dirty="0"/>
+            <a:pPr lvl="2"/>
+            <a:r>
+              <a:rPr lang="en-US" dirty="0">
+                <a:hlinkClick r:id="rId2"/>
+              </a:rPr>
               <a:t>https://hana-matyas-64f63-g1icr.hosting.ssps.cajthaml.eu/index.html</a:t>
             </a:r>
+            <a:endParaRPr lang="en-US" dirty="0"/>
+          </a:p>
+          <a:p>
+            <a:r>
+              <a:rPr lang="cs-CZ" dirty="0"/>
+              <a:t>Čas </a:t>
+            </a:r>
+            <a:r>
+              <a:rPr lang="cs-CZ" dirty="0" err="1"/>
+              <a:t>stranený</a:t>
+            </a:r>
+            <a:r>
+              <a:rPr lang="cs-CZ" dirty="0"/>
+              <a:t> na projektu</a:t>
+            </a:r>
+            <a:endParaRPr lang="en-US" dirty="0"/>
+          </a:p>
+          <a:p>
+            <a:pPr lvl="2"/>
+            <a:endParaRPr lang="en-US" dirty="0"/>
           </a:p>
         </p:txBody>
       </p:sp>

--- a/Hana.pptx
+++ b/Hana.pptx
@@ -4743,6 +4743,17 @@
               <a:rPr lang="en-US" dirty="0"/>
               <a:t> a celestegame.fandom.com</a:t>
             </a:r>
+          </a:p>
+          <a:p>
+            <a:r>
+              <a:rPr lang="en-US" dirty="0"/>
+              <a:t>Chat </a:t>
+            </a:r>
+            <a:r>
+              <a:rPr lang="en-US" dirty="0" err="1"/>
+              <a:t>gpt</a:t>
+            </a:r>
+            <a:endParaRPr lang="en-US" dirty="0"/>
           </a:p>
         </p:txBody>
       </p:sp>
